--- a/Projekat2/Prezentacija.pptx
+++ b/Projekat2/Prezentacija.pptx
@@ -162,7 +162,7 @@
   </p:defaultTextStyle>
   <p:extLst>
     <p:ext uri="{EFAFB233-063F-42B5-8137-9DF3F51BA10A}">
-      <p15:sldGuideLst xmlns="" xmlns:p15="http://schemas.microsoft.com/office/powerpoint/2012/main">
+      <p15:sldGuideLst xmlns:p15="http://schemas.microsoft.com/office/powerpoint/2012/main" xmlns="">
         <p15:guide id="1" orient="horz" pos="2160">
           <p15:clr>
             <a:srgbClr val="A4A3A4"/>
@@ -209,7 +209,7 @@
           <p:cNvPr id="8194" name="Rectangle 2">
             <a:extLst>
               <a:ext uri="{FF2B5EF4-FFF2-40B4-BE49-F238E27FC236}">
-                <a16:creationId xmlns="" xmlns:a16="http://schemas.microsoft.com/office/drawing/2014/main" id="{B217B9EA-BEAC-4C02-B3C9-4475112259CE}"/>
+                <a16:creationId xmlns:a16="http://schemas.microsoft.com/office/drawing/2014/main" xmlns="" id="{B217B9EA-BEAC-4C02-B3C9-4475112259CE}"/>
               </a:ext>
             </a:extLst>
           </p:cNvPr>
@@ -283,7 +283,7 @@
           <p:cNvPr id="8195" name="Rectangle 3">
             <a:extLst>
               <a:ext uri="{FF2B5EF4-FFF2-40B4-BE49-F238E27FC236}">
-                <a16:creationId xmlns="" xmlns:a16="http://schemas.microsoft.com/office/drawing/2014/main" id="{AE17746A-5CEE-4351-B46C-398FFDF634C1}"/>
+                <a16:creationId xmlns:a16="http://schemas.microsoft.com/office/drawing/2014/main" xmlns="" id="{AE17746A-5CEE-4351-B46C-398FFDF634C1}"/>
               </a:ext>
             </a:extLst>
           </p:cNvPr>
@@ -357,7 +357,7 @@
           <p:cNvPr id="8196" name="Rectangle 4">
             <a:extLst>
               <a:ext uri="{FF2B5EF4-FFF2-40B4-BE49-F238E27FC236}">
-                <a16:creationId xmlns="" xmlns:a16="http://schemas.microsoft.com/office/drawing/2014/main" id="{A4EB897B-62D5-4DC4-B11A-8A1AD06171F5}"/>
+                <a16:creationId xmlns:a16="http://schemas.microsoft.com/office/drawing/2014/main" xmlns="" id="{A4EB897B-62D5-4DC4-B11A-8A1AD06171F5}"/>
               </a:ext>
             </a:extLst>
           </p:cNvPr>
@@ -407,7 +407,7 @@
           <p:cNvPr id="8197" name="Rectangle 5">
             <a:extLst>
               <a:ext uri="{FF2B5EF4-FFF2-40B4-BE49-F238E27FC236}">
-                <a16:creationId xmlns="" xmlns:a16="http://schemas.microsoft.com/office/drawing/2014/main" id="{A4AAE539-1BB6-4D05-AD87-D1EB5D14CE22}"/>
+                <a16:creationId xmlns:a16="http://schemas.microsoft.com/office/drawing/2014/main" xmlns="" id="{A4AAE539-1BB6-4D05-AD87-D1EB5D14CE22}"/>
               </a:ext>
             </a:extLst>
           </p:cNvPr>
@@ -509,7 +509,7 @@
           <p:cNvPr id="8198" name="Rectangle 6">
             <a:extLst>
               <a:ext uri="{FF2B5EF4-FFF2-40B4-BE49-F238E27FC236}">
-                <a16:creationId xmlns="" xmlns:a16="http://schemas.microsoft.com/office/drawing/2014/main" id="{2363914E-96E7-488E-BE24-A0102763DA04}"/>
+                <a16:creationId xmlns:a16="http://schemas.microsoft.com/office/drawing/2014/main" xmlns="" id="{2363914E-96E7-488E-BE24-A0102763DA04}"/>
               </a:ext>
             </a:extLst>
           </p:cNvPr>
@@ -583,7 +583,7 @@
           <p:cNvPr id="8199" name="Rectangle 7">
             <a:extLst>
               <a:ext uri="{FF2B5EF4-FFF2-40B4-BE49-F238E27FC236}">
-                <a16:creationId xmlns="" xmlns:a16="http://schemas.microsoft.com/office/drawing/2014/main" id="{A48CA277-BCEF-48A2-9FAE-7BBEEE4706CF}"/>
+                <a16:creationId xmlns:a16="http://schemas.microsoft.com/office/drawing/2014/main" xmlns="" id="{A48CA277-BCEF-48A2-9FAE-7BBEEE4706CF}"/>
               </a:ext>
             </a:extLst>
           </p:cNvPr>
@@ -812,7 +812,7 @@
           <p:cNvPr id="7" name="Rectangle 7">
             <a:extLst>
               <a:ext uri="{FF2B5EF4-FFF2-40B4-BE49-F238E27FC236}">
-                <a16:creationId xmlns="" xmlns:a16="http://schemas.microsoft.com/office/drawing/2014/main" id="{5AF44D5A-71F3-424F-A5C3-C02AB61953E7}"/>
+                <a16:creationId xmlns:a16="http://schemas.microsoft.com/office/drawing/2014/main" xmlns="" id="{5AF44D5A-71F3-424F-A5C3-C02AB61953E7}"/>
               </a:ext>
             </a:extLst>
           </p:cNvPr>
@@ -844,7 +844,7 @@
           <p:cNvPr id="9218" name="Rectangle 2">
             <a:extLst>
               <a:ext uri="{FF2B5EF4-FFF2-40B4-BE49-F238E27FC236}">
-                <a16:creationId xmlns="" xmlns:a16="http://schemas.microsoft.com/office/drawing/2014/main" id="{FCD4688A-DE9B-4C81-B2F7-3F1F6453EEAF}"/>
+                <a16:creationId xmlns:a16="http://schemas.microsoft.com/office/drawing/2014/main" xmlns="" id="{FCD4688A-DE9B-4C81-B2F7-3F1F6453EEAF}"/>
               </a:ext>
             </a:extLst>
           </p:cNvPr>
@@ -864,7 +864,7 @@
           <p:cNvPr id="9219" name="Rectangle 3">
             <a:extLst>
               <a:ext uri="{FF2B5EF4-FFF2-40B4-BE49-F238E27FC236}">
-                <a16:creationId xmlns="" xmlns:a16="http://schemas.microsoft.com/office/drawing/2014/main" id="{07FBCDC8-D47D-42EC-9AF7-5C7DACFE62FD}"/>
+                <a16:creationId xmlns:a16="http://schemas.microsoft.com/office/drawing/2014/main" xmlns="" id="{07FBCDC8-D47D-42EC-9AF7-5C7DACFE62FD}"/>
               </a:ext>
             </a:extLst>
           </p:cNvPr>
@@ -914,7 +914,7 @@
           <p:cNvPr id="5122" name="Rectangle 2">
             <a:extLst>
               <a:ext uri="{FF2B5EF4-FFF2-40B4-BE49-F238E27FC236}">
-                <a16:creationId xmlns="" xmlns:a16="http://schemas.microsoft.com/office/drawing/2014/main" id="{1F882B98-CC93-43FA-804F-8BEEF243CBBB}"/>
+                <a16:creationId xmlns:a16="http://schemas.microsoft.com/office/drawing/2014/main" xmlns="" id="{1F882B98-CC93-43FA-804F-8BEEF243CBBB}"/>
               </a:ext>
             </a:extLst>
           </p:cNvPr>
@@ -952,7 +952,7 @@
           <p:cNvPr id="5123" name="Rectangle 3">
             <a:extLst>
               <a:ext uri="{FF2B5EF4-FFF2-40B4-BE49-F238E27FC236}">
-                <a16:creationId xmlns="" xmlns:a16="http://schemas.microsoft.com/office/drawing/2014/main" id="{24600637-B0EB-4783-A4D8-B14962500051}"/>
+                <a16:creationId xmlns:a16="http://schemas.microsoft.com/office/drawing/2014/main" xmlns="" id="{24600637-B0EB-4783-A4D8-B14962500051}"/>
               </a:ext>
             </a:extLst>
           </p:cNvPr>
@@ -992,7 +992,7 @@
           <p:cNvPr id="5124" name="Rectangle 4">
             <a:extLst>
               <a:ext uri="{FF2B5EF4-FFF2-40B4-BE49-F238E27FC236}">
-                <a16:creationId xmlns="" xmlns:a16="http://schemas.microsoft.com/office/drawing/2014/main" id="{3442292B-291B-4EE4-A920-FED0DFE3D5CE}"/>
+                <a16:creationId xmlns:a16="http://schemas.microsoft.com/office/drawing/2014/main" xmlns="" id="{3442292B-291B-4EE4-A920-FED0DFE3D5CE}"/>
               </a:ext>
             </a:extLst>
           </p:cNvPr>
@@ -1031,7 +1031,7 @@
           <p:cNvPr id="5125" name="Picture 5">
             <a:extLst>
               <a:ext uri="{FF2B5EF4-FFF2-40B4-BE49-F238E27FC236}">
-                <a16:creationId xmlns="" xmlns:a16="http://schemas.microsoft.com/office/drawing/2014/main" id="{648AC4CE-EF4A-48BE-8AA1-D51559D98F56}"/>
+                <a16:creationId xmlns:a16="http://schemas.microsoft.com/office/drawing/2014/main" xmlns="" id="{648AC4CE-EF4A-48BE-8AA1-D51559D98F56}"/>
               </a:ext>
             </a:extLst>
           </p:cNvPr>
@@ -1113,7 +1113,7 @@
           <p:cNvPr id="2" name="Title 1">
             <a:extLst>
               <a:ext uri="{FF2B5EF4-FFF2-40B4-BE49-F238E27FC236}">
-                <a16:creationId xmlns="" xmlns:a16="http://schemas.microsoft.com/office/drawing/2014/main" id="{8B844AAB-6764-44CD-A6AB-BB9B5A128B0D}"/>
+                <a16:creationId xmlns:a16="http://schemas.microsoft.com/office/drawing/2014/main" xmlns="" id="{8B844AAB-6764-44CD-A6AB-BB9B5A128B0D}"/>
               </a:ext>
             </a:extLst>
           </p:cNvPr>
@@ -1141,7 +1141,7 @@
           <p:cNvPr id="3" name="Vertical Text Placeholder 2">
             <a:extLst>
               <a:ext uri="{FF2B5EF4-FFF2-40B4-BE49-F238E27FC236}">
-                <a16:creationId xmlns="" xmlns:a16="http://schemas.microsoft.com/office/drawing/2014/main" id="{2665C1CE-8EEC-4005-9A6F-59EAD20EB68B}"/>
+                <a16:creationId xmlns:a16="http://schemas.microsoft.com/office/drawing/2014/main" xmlns="" id="{2665C1CE-8EEC-4005-9A6F-59EAD20EB68B}"/>
               </a:ext>
             </a:extLst>
           </p:cNvPr>
@@ -1198,7 +1198,7 @@
           <p:cNvPr id="4" name="Slide Number Placeholder 3">
             <a:extLst>
               <a:ext uri="{FF2B5EF4-FFF2-40B4-BE49-F238E27FC236}">
-                <a16:creationId xmlns="" xmlns:a16="http://schemas.microsoft.com/office/drawing/2014/main" id="{19250830-2886-45C3-A85A-D548D3FDEA1E}"/>
+                <a16:creationId xmlns:a16="http://schemas.microsoft.com/office/drawing/2014/main" xmlns="" id="{19250830-2886-45C3-A85A-D548D3FDEA1E}"/>
               </a:ext>
             </a:extLst>
           </p:cNvPr>
@@ -1274,7 +1274,7 @@
           <p:cNvPr id="2" name="Vertical Title 1">
             <a:extLst>
               <a:ext uri="{FF2B5EF4-FFF2-40B4-BE49-F238E27FC236}">
-                <a16:creationId xmlns="" xmlns:a16="http://schemas.microsoft.com/office/drawing/2014/main" id="{BD554BF1-6803-4392-AF2C-41F7ECDED954}"/>
+                <a16:creationId xmlns:a16="http://schemas.microsoft.com/office/drawing/2014/main" xmlns="" id="{BD554BF1-6803-4392-AF2C-41F7ECDED954}"/>
               </a:ext>
             </a:extLst>
           </p:cNvPr>
@@ -1307,7 +1307,7 @@
           <p:cNvPr id="3" name="Vertical Text Placeholder 2">
             <a:extLst>
               <a:ext uri="{FF2B5EF4-FFF2-40B4-BE49-F238E27FC236}">
-                <a16:creationId xmlns="" xmlns:a16="http://schemas.microsoft.com/office/drawing/2014/main" id="{485A1443-F1C3-4849-A370-860FBEDECD24}"/>
+                <a16:creationId xmlns:a16="http://schemas.microsoft.com/office/drawing/2014/main" xmlns="" id="{485A1443-F1C3-4849-A370-860FBEDECD24}"/>
               </a:ext>
             </a:extLst>
           </p:cNvPr>
@@ -1369,7 +1369,7 @@
           <p:cNvPr id="4" name="Slide Number Placeholder 3">
             <a:extLst>
               <a:ext uri="{FF2B5EF4-FFF2-40B4-BE49-F238E27FC236}">
-                <a16:creationId xmlns="" xmlns:a16="http://schemas.microsoft.com/office/drawing/2014/main" id="{010520FA-49A3-4DA7-AD25-A59EA023E828}"/>
+                <a16:creationId xmlns:a16="http://schemas.microsoft.com/office/drawing/2014/main" xmlns="" id="{010520FA-49A3-4DA7-AD25-A59EA023E828}"/>
               </a:ext>
             </a:extLst>
           </p:cNvPr>
@@ -1445,7 +1445,7 @@
           <p:cNvPr id="2" name="Title 1">
             <a:extLst>
               <a:ext uri="{FF2B5EF4-FFF2-40B4-BE49-F238E27FC236}">
-                <a16:creationId xmlns="" xmlns:a16="http://schemas.microsoft.com/office/drawing/2014/main" id="{1AD71FA1-560F-4264-974A-40291B646AA9}"/>
+                <a16:creationId xmlns:a16="http://schemas.microsoft.com/office/drawing/2014/main" xmlns="" id="{1AD71FA1-560F-4264-974A-40291B646AA9}"/>
               </a:ext>
             </a:extLst>
           </p:cNvPr>
@@ -1473,7 +1473,7 @@
           <p:cNvPr id="3" name="Content Placeholder 2">
             <a:extLst>
               <a:ext uri="{FF2B5EF4-FFF2-40B4-BE49-F238E27FC236}">
-                <a16:creationId xmlns="" xmlns:a16="http://schemas.microsoft.com/office/drawing/2014/main" id="{F3B922AB-D5D6-4F5F-9467-056ED4B9B755}"/>
+                <a16:creationId xmlns:a16="http://schemas.microsoft.com/office/drawing/2014/main" xmlns="" id="{F3B922AB-D5D6-4F5F-9467-056ED4B9B755}"/>
               </a:ext>
             </a:extLst>
           </p:cNvPr>
@@ -1530,7 +1530,7 @@
           <p:cNvPr id="4" name="Slide Number Placeholder 3">
             <a:extLst>
               <a:ext uri="{FF2B5EF4-FFF2-40B4-BE49-F238E27FC236}">
-                <a16:creationId xmlns="" xmlns:a16="http://schemas.microsoft.com/office/drawing/2014/main" id="{8602FB34-9453-451C-9333-48B4C1A70E2C}"/>
+                <a16:creationId xmlns:a16="http://schemas.microsoft.com/office/drawing/2014/main" xmlns="" id="{8602FB34-9453-451C-9333-48B4C1A70E2C}"/>
               </a:ext>
             </a:extLst>
           </p:cNvPr>
@@ -1606,7 +1606,7 @@
           <p:cNvPr id="2" name="Title 1">
             <a:extLst>
               <a:ext uri="{FF2B5EF4-FFF2-40B4-BE49-F238E27FC236}">
-                <a16:creationId xmlns="" xmlns:a16="http://schemas.microsoft.com/office/drawing/2014/main" id="{504513C7-6C93-4200-9DBD-B4CFA5F5C82D}"/>
+                <a16:creationId xmlns:a16="http://schemas.microsoft.com/office/drawing/2014/main" xmlns="" id="{504513C7-6C93-4200-9DBD-B4CFA5F5C82D}"/>
               </a:ext>
             </a:extLst>
           </p:cNvPr>
@@ -1643,7 +1643,7 @@
           <p:cNvPr id="3" name="Text Placeholder 2">
             <a:extLst>
               <a:ext uri="{FF2B5EF4-FFF2-40B4-BE49-F238E27FC236}">
-                <a16:creationId xmlns="" xmlns:a16="http://schemas.microsoft.com/office/drawing/2014/main" id="{6E7FFA5B-3A03-4535-BE5C-B933B9432ABC}"/>
+                <a16:creationId xmlns:a16="http://schemas.microsoft.com/office/drawing/2014/main" xmlns="" id="{6E7FFA5B-3A03-4535-BE5C-B933B9432ABC}"/>
               </a:ext>
             </a:extLst>
           </p:cNvPr>
@@ -1714,7 +1714,7 @@
           <p:cNvPr id="4" name="Slide Number Placeholder 3">
             <a:extLst>
               <a:ext uri="{FF2B5EF4-FFF2-40B4-BE49-F238E27FC236}">
-                <a16:creationId xmlns="" xmlns:a16="http://schemas.microsoft.com/office/drawing/2014/main" id="{E8446344-B0B9-451C-9B73-9717F6A9F6D8}"/>
+                <a16:creationId xmlns:a16="http://schemas.microsoft.com/office/drawing/2014/main" xmlns="" id="{E8446344-B0B9-451C-9B73-9717F6A9F6D8}"/>
               </a:ext>
             </a:extLst>
           </p:cNvPr>
@@ -1790,7 +1790,7 @@
           <p:cNvPr id="2" name="Title 1">
             <a:extLst>
               <a:ext uri="{FF2B5EF4-FFF2-40B4-BE49-F238E27FC236}">
-                <a16:creationId xmlns="" xmlns:a16="http://schemas.microsoft.com/office/drawing/2014/main" id="{9D83ACCB-4214-41E0-97C5-260FC11D5B36}"/>
+                <a16:creationId xmlns:a16="http://schemas.microsoft.com/office/drawing/2014/main" xmlns="" id="{9D83ACCB-4214-41E0-97C5-260FC11D5B36}"/>
               </a:ext>
             </a:extLst>
           </p:cNvPr>
@@ -1818,7 +1818,7 @@
           <p:cNvPr id="3" name="Content Placeholder 2">
             <a:extLst>
               <a:ext uri="{FF2B5EF4-FFF2-40B4-BE49-F238E27FC236}">
-                <a16:creationId xmlns="" xmlns:a16="http://schemas.microsoft.com/office/drawing/2014/main" id="{F1C5392F-9D40-4F0E-9580-E9964B0FC182}"/>
+                <a16:creationId xmlns:a16="http://schemas.microsoft.com/office/drawing/2014/main" xmlns="" id="{F1C5392F-9D40-4F0E-9580-E9964B0FC182}"/>
               </a:ext>
             </a:extLst>
           </p:cNvPr>
@@ -1880,7 +1880,7 @@
           <p:cNvPr id="4" name="Content Placeholder 3">
             <a:extLst>
               <a:ext uri="{FF2B5EF4-FFF2-40B4-BE49-F238E27FC236}">
-                <a16:creationId xmlns="" xmlns:a16="http://schemas.microsoft.com/office/drawing/2014/main" id="{D7BB89F1-B704-406A-A129-A00651EEB7FC}"/>
+                <a16:creationId xmlns:a16="http://schemas.microsoft.com/office/drawing/2014/main" xmlns="" id="{D7BB89F1-B704-406A-A129-A00651EEB7FC}"/>
               </a:ext>
             </a:extLst>
           </p:cNvPr>
@@ -1942,7 +1942,7 @@
           <p:cNvPr id="5" name="Slide Number Placeholder 4">
             <a:extLst>
               <a:ext uri="{FF2B5EF4-FFF2-40B4-BE49-F238E27FC236}">
-                <a16:creationId xmlns="" xmlns:a16="http://schemas.microsoft.com/office/drawing/2014/main" id="{6641787E-2D1F-41ED-8B36-8F629966D94E}"/>
+                <a16:creationId xmlns:a16="http://schemas.microsoft.com/office/drawing/2014/main" xmlns="" id="{6641787E-2D1F-41ED-8B36-8F629966D94E}"/>
               </a:ext>
             </a:extLst>
           </p:cNvPr>
@@ -2018,7 +2018,7 @@
           <p:cNvPr id="2" name="Title 1">
             <a:extLst>
               <a:ext uri="{FF2B5EF4-FFF2-40B4-BE49-F238E27FC236}">
-                <a16:creationId xmlns="" xmlns:a16="http://schemas.microsoft.com/office/drawing/2014/main" id="{A99148CE-6319-4C97-BCD2-7AE53AFC1920}"/>
+                <a16:creationId xmlns:a16="http://schemas.microsoft.com/office/drawing/2014/main" xmlns="" id="{A99148CE-6319-4C97-BCD2-7AE53AFC1920}"/>
               </a:ext>
             </a:extLst>
           </p:cNvPr>
@@ -2051,7 +2051,7 @@
           <p:cNvPr id="3" name="Text Placeholder 2">
             <a:extLst>
               <a:ext uri="{FF2B5EF4-FFF2-40B4-BE49-F238E27FC236}">
-                <a16:creationId xmlns="" xmlns:a16="http://schemas.microsoft.com/office/drawing/2014/main" id="{BCCF6F10-49CC-4DAA-AA90-ADEAA2CBCFEC}"/>
+                <a16:creationId xmlns:a16="http://schemas.microsoft.com/office/drawing/2014/main" xmlns="" id="{BCCF6F10-49CC-4DAA-AA90-ADEAA2CBCFEC}"/>
               </a:ext>
             </a:extLst>
           </p:cNvPr>
@@ -2122,7 +2122,7 @@
           <p:cNvPr id="4" name="Content Placeholder 3">
             <a:extLst>
               <a:ext uri="{FF2B5EF4-FFF2-40B4-BE49-F238E27FC236}">
-                <a16:creationId xmlns="" xmlns:a16="http://schemas.microsoft.com/office/drawing/2014/main" id="{56021D7F-3628-4CBA-B656-835FD966296A}"/>
+                <a16:creationId xmlns:a16="http://schemas.microsoft.com/office/drawing/2014/main" xmlns="" id="{56021D7F-3628-4CBA-B656-835FD966296A}"/>
               </a:ext>
             </a:extLst>
           </p:cNvPr>
@@ -2184,7 +2184,7 @@
           <p:cNvPr id="5" name="Text Placeholder 4">
             <a:extLst>
               <a:ext uri="{FF2B5EF4-FFF2-40B4-BE49-F238E27FC236}">
-                <a16:creationId xmlns="" xmlns:a16="http://schemas.microsoft.com/office/drawing/2014/main" id="{59A50961-8DD4-4F0A-9764-08F7762C6DFB}"/>
+                <a16:creationId xmlns:a16="http://schemas.microsoft.com/office/drawing/2014/main" xmlns="" id="{59A50961-8DD4-4F0A-9764-08F7762C6DFB}"/>
               </a:ext>
             </a:extLst>
           </p:cNvPr>
@@ -2255,7 +2255,7 @@
           <p:cNvPr id="6" name="Content Placeholder 5">
             <a:extLst>
               <a:ext uri="{FF2B5EF4-FFF2-40B4-BE49-F238E27FC236}">
-                <a16:creationId xmlns="" xmlns:a16="http://schemas.microsoft.com/office/drawing/2014/main" id="{E9733B92-996A-4BDB-A4EC-C27C7ECD5A04}"/>
+                <a16:creationId xmlns:a16="http://schemas.microsoft.com/office/drawing/2014/main" xmlns="" id="{E9733B92-996A-4BDB-A4EC-C27C7ECD5A04}"/>
               </a:ext>
             </a:extLst>
           </p:cNvPr>
@@ -2317,7 +2317,7 @@
           <p:cNvPr id="7" name="Slide Number Placeholder 6">
             <a:extLst>
               <a:ext uri="{FF2B5EF4-FFF2-40B4-BE49-F238E27FC236}">
-                <a16:creationId xmlns="" xmlns:a16="http://schemas.microsoft.com/office/drawing/2014/main" id="{7679668E-470B-4A28-B2BE-BFCBD6341853}"/>
+                <a16:creationId xmlns:a16="http://schemas.microsoft.com/office/drawing/2014/main" xmlns="" id="{7679668E-470B-4A28-B2BE-BFCBD6341853}"/>
               </a:ext>
             </a:extLst>
           </p:cNvPr>
@@ -2393,7 +2393,7 @@
           <p:cNvPr id="2" name="Title 1">
             <a:extLst>
               <a:ext uri="{FF2B5EF4-FFF2-40B4-BE49-F238E27FC236}">
-                <a16:creationId xmlns="" xmlns:a16="http://schemas.microsoft.com/office/drawing/2014/main" id="{371BA357-8C55-4B49-A397-946516B9C8CD}"/>
+                <a16:creationId xmlns:a16="http://schemas.microsoft.com/office/drawing/2014/main" xmlns="" id="{371BA357-8C55-4B49-A397-946516B9C8CD}"/>
               </a:ext>
             </a:extLst>
           </p:cNvPr>
@@ -2421,7 +2421,7 @@
           <p:cNvPr id="3" name="Slide Number Placeholder 2">
             <a:extLst>
               <a:ext uri="{FF2B5EF4-FFF2-40B4-BE49-F238E27FC236}">
-                <a16:creationId xmlns="" xmlns:a16="http://schemas.microsoft.com/office/drawing/2014/main" id="{AD60ACAD-8AA0-475B-8C2D-2DB0078957F1}"/>
+                <a16:creationId xmlns:a16="http://schemas.microsoft.com/office/drawing/2014/main" xmlns="" id="{AD60ACAD-8AA0-475B-8C2D-2DB0078957F1}"/>
               </a:ext>
             </a:extLst>
           </p:cNvPr>
@@ -2497,7 +2497,7 @@
           <p:cNvPr id="2" name="Slide Number Placeholder 1">
             <a:extLst>
               <a:ext uri="{FF2B5EF4-FFF2-40B4-BE49-F238E27FC236}">
-                <a16:creationId xmlns="" xmlns:a16="http://schemas.microsoft.com/office/drawing/2014/main" id="{0A110B47-518A-4B94-A10D-AE498A5B41DE}"/>
+                <a16:creationId xmlns:a16="http://schemas.microsoft.com/office/drawing/2014/main" xmlns="" id="{0A110B47-518A-4B94-A10D-AE498A5B41DE}"/>
               </a:ext>
             </a:extLst>
           </p:cNvPr>
@@ -2573,7 +2573,7 @@
           <p:cNvPr id="2" name="Title 1">
             <a:extLst>
               <a:ext uri="{FF2B5EF4-FFF2-40B4-BE49-F238E27FC236}">
-                <a16:creationId xmlns="" xmlns:a16="http://schemas.microsoft.com/office/drawing/2014/main" id="{8CC9E6DE-0EA0-436D-8AA6-A90C4A3F98D1}"/>
+                <a16:creationId xmlns:a16="http://schemas.microsoft.com/office/drawing/2014/main" xmlns="" id="{8CC9E6DE-0EA0-436D-8AA6-A90C4A3F98D1}"/>
               </a:ext>
             </a:extLst>
           </p:cNvPr>
@@ -2610,7 +2610,7 @@
           <p:cNvPr id="3" name="Content Placeholder 2">
             <a:extLst>
               <a:ext uri="{FF2B5EF4-FFF2-40B4-BE49-F238E27FC236}">
-                <a16:creationId xmlns="" xmlns:a16="http://schemas.microsoft.com/office/drawing/2014/main" id="{886B16D9-1715-4D03-832F-FB122F0DBCB9}"/>
+                <a16:creationId xmlns:a16="http://schemas.microsoft.com/office/drawing/2014/main" xmlns="" id="{886B16D9-1715-4D03-832F-FB122F0DBCB9}"/>
               </a:ext>
             </a:extLst>
           </p:cNvPr>
@@ -2700,7 +2700,7 @@
           <p:cNvPr id="4" name="Text Placeholder 3">
             <a:extLst>
               <a:ext uri="{FF2B5EF4-FFF2-40B4-BE49-F238E27FC236}">
-                <a16:creationId xmlns="" xmlns:a16="http://schemas.microsoft.com/office/drawing/2014/main" id="{69C25973-EFAE-4583-B2D4-A6C1FA5DFACF}"/>
+                <a16:creationId xmlns:a16="http://schemas.microsoft.com/office/drawing/2014/main" xmlns="" id="{69C25973-EFAE-4583-B2D4-A6C1FA5DFACF}"/>
               </a:ext>
             </a:extLst>
           </p:cNvPr>
@@ -2771,7 +2771,7 @@
           <p:cNvPr id="5" name="Slide Number Placeholder 4">
             <a:extLst>
               <a:ext uri="{FF2B5EF4-FFF2-40B4-BE49-F238E27FC236}">
-                <a16:creationId xmlns="" xmlns:a16="http://schemas.microsoft.com/office/drawing/2014/main" id="{E53862AB-13F2-4C37-B0EA-8450AD187937}"/>
+                <a16:creationId xmlns:a16="http://schemas.microsoft.com/office/drawing/2014/main" xmlns="" id="{E53862AB-13F2-4C37-B0EA-8450AD187937}"/>
               </a:ext>
             </a:extLst>
           </p:cNvPr>
@@ -2847,7 +2847,7 @@
           <p:cNvPr id="2" name="Title 1">
             <a:extLst>
               <a:ext uri="{FF2B5EF4-FFF2-40B4-BE49-F238E27FC236}">
-                <a16:creationId xmlns="" xmlns:a16="http://schemas.microsoft.com/office/drawing/2014/main" id="{12180EBB-F34B-47F3-86AE-2EB4D81145CC}"/>
+                <a16:creationId xmlns:a16="http://schemas.microsoft.com/office/drawing/2014/main" xmlns="" id="{12180EBB-F34B-47F3-86AE-2EB4D81145CC}"/>
               </a:ext>
             </a:extLst>
           </p:cNvPr>
@@ -2884,7 +2884,7 @@
           <p:cNvPr id="3" name="Picture Placeholder 2">
             <a:extLst>
               <a:ext uri="{FF2B5EF4-FFF2-40B4-BE49-F238E27FC236}">
-                <a16:creationId xmlns="" xmlns:a16="http://schemas.microsoft.com/office/drawing/2014/main" id="{520C4266-D345-4D97-AE91-1E6005F5ED3D}"/>
+                <a16:creationId xmlns:a16="http://schemas.microsoft.com/office/drawing/2014/main" xmlns="" id="{520C4266-D345-4D97-AE91-1E6005F5ED3D}"/>
               </a:ext>
             </a:extLst>
           </p:cNvPr>
@@ -2954,7 +2954,7 @@
           <p:cNvPr id="4" name="Text Placeholder 3">
             <a:extLst>
               <a:ext uri="{FF2B5EF4-FFF2-40B4-BE49-F238E27FC236}">
-                <a16:creationId xmlns="" xmlns:a16="http://schemas.microsoft.com/office/drawing/2014/main" id="{02474AFD-06B8-4406-9569-C8DFF1E62F7F}"/>
+                <a16:creationId xmlns:a16="http://schemas.microsoft.com/office/drawing/2014/main" xmlns="" id="{02474AFD-06B8-4406-9569-C8DFF1E62F7F}"/>
               </a:ext>
             </a:extLst>
           </p:cNvPr>
@@ -3025,7 +3025,7 @@
           <p:cNvPr id="5" name="Slide Number Placeholder 4">
             <a:extLst>
               <a:ext uri="{FF2B5EF4-FFF2-40B4-BE49-F238E27FC236}">
-                <a16:creationId xmlns="" xmlns:a16="http://schemas.microsoft.com/office/drawing/2014/main" id="{1EFC6ED8-A4DF-4F8A-9CC9-E4C5F56C70FC}"/>
+                <a16:creationId xmlns:a16="http://schemas.microsoft.com/office/drawing/2014/main" xmlns="" id="{1EFC6ED8-A4DF-4F8A-9CC9-E4C5F56C70FC}"/>
               </a:ext>
             </a:extLst>
           </p:cNvPr>
@@ -3109,7 +3109,7 @@
           <p:cNvPr id="4098" name="Picture 2">
             <a:extLst>
               <a:ext uri="{FF2B5EF4-FFF2-40B4-BE49-F238E27FC236}">
-                <a16:creationId xmlns="" xmlns:a16="http://schemas.microsoft.com/office/drawing/2014/main" id="{6DF05BE8-5740-4E49-A93C-5660CF0559A2}"/>
+                <a16:creationId xmlns:a16="http://schemas.microsoft.com/office/drawing/2014/main" xmlns="" id="{6DF05BE8-5740-4E49-A93C-5660CF0559A2}"/>
               </a:ext>
             </a:extLst>
           </p:cNvPr>
@@ -3154,7 +3154,7 @@
           <p:cNvPr id="4099" name="Rectangle 3">
             <a:extLst>
               <a:ext uri="{FF2B5EF4-FFF2-40B4-BE49-F238E27FC236}">
-                <a16:creationId xmlns="" xmlns:a16="http://schemas.microsoft.com/office/drawing/2014/main" id="{5397E082-AEF7-426F-90BC-65CFA1F089E9}"/>
+                <a16:creationId xmlns:a16="http://schemas.microsoft.com/office/drawing/2014/main" xmlns="" id="{5397E082-AEF7-426F-90BC-65CFA1F089E9}"/>
               </a:ext>
             </a:extLst>
           </p:cNvPr>
@@ -3228,7 +3228,7 @@
           <p:cNvPr id="4100" name="Rectangle 4">
             <a:extLst>
               <a:ext uri="{FF2B5EF4-FFF2-40B4-BE49-F238E27FC236}">
-                <a16:creationId xmlns="" xmlns:a16="http://schemas.microsoft.com/office/drawing/2014/main" id="{E36ADAC8-7698-49FB-A4CB-430ED04CA730}"/>
+                <a16:creationId xmlns:a16="http://schemas.microsoft.com/office/drawing/2014/main" xmlns="" id="{E36ADAC8-7698-49FB-A4CB-430ED04CA730}"/>
               </a:ext>
             </a:extLst>
           </p:cNvPr>
@@ -3330,7 +3330,7 @@
           <p:cNvPr id="4101" name="Rectangle 5">
             <a:extLst>
               <a:ext uri="{FF2B5EF4-FFF2-40B4-BE49-F238E27FC236}">
-                <a16:creationId xmlns="" xmlns:a16="http://schemas.microsoft.com/office/drawing/2014/main" id="{2418DF03-AB02-4822-B30B-7FA5A69BAA2C}"/>
+                <a16:creationId xmlns:a16="http://schemas.microsoft.com/office/drawing/2014/main" xmlns="" id="{2418DF03-AB02-4822-B30B-7FA5A69BAA2C}"/>
               </a:ext>
             </a:extLst>
           </p:cNvPr>
@@ -3848,7 +3848,7 @@
           <p:cNvPr id="2050" name="Rectangle 2">
             <a:extLst>
               <a:ext uri="{FF2B5EF4-FFF2-40B4-BE49-F238E27FC236}">
-                <a16:creationId xmlns="" xmlns:a16="http://schemas.microsoft.com/office/drawing/2014/main" id="{B62F02A2-75D5-43F7-8419-296955170EC0}"/>
+                <a16:creationId xmlns:a16="http://schemas.microsoft.com/office/drawing/2014/main" xmlns="" id="{B62F02A2-75D5-43F7-8419-296955170EC0}"/>
               </a:ext>
             </a:extLst>
           </p:cNvPr>
@@ -3932,7 +3932,7 @@
           <p:cNvPr id="2051" name="Rectangle 3">
             <a:extLst>
               <a:ext uri="{FF2B5EF4-FFF2-40B4-BE49-F238E27FC236}">
-                <a16:creationId xmlns="" xmlns:a16="http://schemas.microsoft.com/office/drawing/2014/main" id="{51371060-B51A-4EF1-B897-589CC764C0D0}"/>
+                <a16:creationId xmlns:a16="http://schemas.microsoft.com/office/drawing/2014/main" xmlns="" id="{51371060-B51A-4EF1-B897-589CC764C0D0}"/>
               </a:ext>
             </a:extLst>
           </p:cNvPr>
@@ -5365,7 +5365,7 @@
           <p:cNvPr id="4" name="Slide Number Placeholder 3">
             <a:extLst>
               <a:ext uri="{FF2B5EF4-FFF2-40B4-BE49-F238E27FC236}">
-                <a16:creationId xmlns="" xmlns:a16="http://schemas.microsoft.com/office/drawing/2014/main" id="{8406430C-7506-4274-A5AC-9FFBDC1320CD}"/>
+                <a16:creationId xmlns:a16="http://schemas.microsoft.com/office/drawing/2014/main" xmlns="" id="{8406430C-7506-4274-A5AC-9FFBDC1320CD}"/>
               </a:ext>
             </a:extLst>
           </p:cNvPr>
@@ -5395,7 +5395,7 @@
           <p:cNvPr id="7170" name="Rectangle 2">
             <a:extLst>
               <a:ext uri="{FF2B5EF4-FFF2-40B4-BE49-F238E27FC236}">
-                <a16:creationId xmlns="" xmlns:a16="http://schemas.microsoft.com/office/drawing/2014/main" id="{A909F021-DA63-459E-B471-AEE16E71B526}"/>
+                <a16:creationId xmlns:a16="http://schemas.microsoft.com/office/drawing/2014/main" xmlns="" id="{A909F021-DA63-459E-B471-AEE16E71B526}"/>
               </a:ext>
             </a:extLst>
           </p:cNvPr>
@@ -6827,33 +6827,8 @@
             <a:pPr algn="just"/>
             <a:r>
               <a:rPr lang="sr-Latn-RS" sz="1800" dirty="0" smtClean="0"/>
-              <a:t>Korisnik </a:t>
-            </a:r>
-            <a:r>
-              <a:rPr lang="sr-Latn-RS" sz="1800" dirty="0" smtClean="0"/>
-              <a:t>prosleđuje</a:t>
-            </a:r>
-            <a:r>
-              <a:rPr lang="sr-Latn-RS" sz="1800" dirty="0" smtClean="0"/>
-              <a:t> </a:t>
-            </a:r>
-            <a:r>
-              <a:rPr lang="sr-Latn-RS" sz="1800" dirty="0" smtClean="0"/>
-              <a:t>argumente na </a:t>
-            </a:r>
-            <a:r>
-              <a:rPr lang="sr-Latn-RS" sz="1800" dirty="0" smtClean="0"/>
-              <a:t>sledeći način, </a:t>
-            </a:r>
-            <a:r>
-              <a:rPr lang="sr-Latn-RS" sz="1800" dirty="0" smtClean="0"/>
-              <a:t>pri čemu je redosled argumenata bitan</a:t>
-            </a:r>
-            <a:r>
-              <a:rPr lang="sr-Latn-RS" sz="1800" dirty="0" smtClean="0"/>
-              <a:t>:</a:t>
-            </a:r>
-            <a:endParaRPr lang="sr-Latn-RS" sz="1800" dirty="0" smtClean="0"/>
+              <a:t>Korisnik prosleđuje argumente na sledeći način, pri čemu je redosled argumenata bitan:</a:t>
+            </a:r>
           </a:p>
           <a:p>
             <a:pPr lvl="1" algn="just"/>
@@ -7138,7 +7113,7 @@
       </p:sp>
       <p:pic>
         <p:nvPicPr>
-          <p:cNvPr id="3" name="Picture 2"/>
+          <p:cNvPr id="4" name="Picture 3"/>
           <p:cNvPicPr>
             <a:picLocks noChangeAspect="1"/>
           </p:cNvPicPr>
@@ -7158,8 +7133,8 @@
         </p:blipFill>
         <p:spPr>
           <a:xfrm>
-            <a:off x="1982622" y="1447800"/>
-            <a:ext cx="5332578" cy="4312869"/>
+            <a:off x="2180290" y="1447800"/>
+            <a:ext cx="4783420" cy="4567221"/>
           </a:xfrm>
           <a:prstGeom prst="rect">
             <a:avLst/>
@@ -8138,7 +8113,7 @@
   </a:extraClrSchemeLst>
   <a:extLst>
     <a:ext uri="{05A4C25C-085E-4340-85A3-A5531E510DB2}">
-      <thm15:themeFamily xmlns="" xmlns:thm15="http://schemas.microsoft.com/office/thememl/2012/main" name="Office Theme" id="{62F939B6-93AF-4DB8-9C6B-D6C7DFDC589F}" vid="{4A3C46E8-61CC-4603-A589-7422A47A8E4A}"/>
+      <thm15:themeFamily xmlns:thm15="http://schemas.microsoft.com/office/thememl/2012/main" xmlns="" name="Office Theme" id="{62F939B6-93AF-4DB8-9C6B-D6C7DFDC589F}" vid="{4A3C46E8-61CC-4603-A589-7422A47A8E4A}"/>
     </a:ext>
   </a:extLst>
 </a:theme>
@@ -8433,7 +8408,7 @@
   <a:extraClrSchemeLst/>
   <a:extLst>
     <a:ext uri="{05A4C25C-085E-4340-85A3-A5531E510DB2}">
-      <thm15:themeFamily xmlns="" xmlns:thm15="http://schemas.microsoft.com/office/thememl/2012/main" name="Office Theme" id="{62F939B6-93AF-4DB8-9C6B-D6C7DFDC589F}" vid="{4A3C46E8-61CC-4603-A589-7422A47A8E4A}"/>
+      <thm15:themeFamily xmlns:thm15="http://schemas.microsoft.com/office/thememl/2012/main" xmlns="" name="Office Theme" id="{62F939B6-93AF-4DB8-9C6B-D6C7DFDC589F}" vid="{4A3C46E8-61CC-4603-A589-7422A47A8E4A}"/>
     </a:ext>
   </a:extLst>
 </a:theme>

--- a/Projekat2/Prezentacija.pptx
+++ b/Projekat2/Prezentacija.pptx
@@ -162,7 +162,7 @@
   </p:defaultTextStyle>
   <p:extLst>
     <p:ext uri="{EFAFB233-063F-42B5-8137-9DF3F51BA10A}">
-      <p15:sldGuideLst xmlns:p15="http://schemas.microsoft.com/office/powerpoint/2012/main" xmlns="">
+      <p15:sldGuideLst xmlns="" xmlns:p15="http://schemas.microsoft.com/office/powerpoint/2012/main">
         <p15:guide id="1" orient="horz" pos="2160">
           <p15:clr>
             <a:srgbClr val="A4A3A4"/>
@@ -209,7 +209,7 @@
           <p:cNvPr id="8194" name="Rectangle 2">
             <a:extLst>
               <a:ext uri="{FF2B5EF4-FFF2-40B4-BE49-F238E27FC236}">
-                <a16:creationId xmlns:a16="http://schemas.microsoft.com/office/drawing/2014/main" xmlns="" id="{B217B9EA-BEAC-4C02-B3C9-4475112259CE}"/>
+                <a16:creationId xmlns="" xmlns:a16="http://schemas.microsoft.com/office/drawing/2014/main" id="{B217B9EA-BEAC-4C02-B3C9-4475112259CE}"/>
               </a:ext>
             </a:extLst>
           </p:cNvPr>
@@ -283,7 +283,7 @@
           <p:cNvPr id="8195" name="Rectangle 3">
             <a:extLst>
               <a:ext uri="{FF2B5EF4-FFF2-40B4-BE49-F238E27FC236}">
-                <a16:creationId xmlns:a16="http://schemas.microsoft.com/office/drawing/2014/main" xmlns="" id="{AE17746A-5CEE-4351-B46C-398FFDF634C1}"/>
+                <a16:creationId xmlns="" xmlns:a16="http://schemas.microsoft.com/office/drawing/2014/main" id="{AE17746A-5CEE-4351-B46C-398FFDF634C1}"/>
               </a:ext>
             </a:extLst>
           </p:cNvPr>
@@ -357,7 +357,7 @@
           <p:cNvPr id="8196" name="Rectangle 4">
             <a:extLst>
               <a:ext uri="{FF2B5EF4-FFF2-40B4-BE49-F238E27FC236}">
-                <a16:creationId xmlns:a16="http://schemas.microsoft.com/office/drawing/2014/main" xmlns="" id="{A4EB897B-62D5-4DC4-B11A-8A1AD06171F5}"/>
+                <a16:creationId xmlns="" xmlns:a16="http://schemas.microsoft.com/office/drawing/2014/main" id="{A4EB897B-62D5-4DC4-B11A-8A1AD06171F5}"/>
               </a:ext>
             </a:extLst>
           </p:cNvPr>
@@ -407,7 +407,7 @@
           <p:cNvPr id="8197" name="Rectangle 5">
             <a:extLst>
               <a:ext uri="{FF2B5EF4-FFF2-40B4-BE49-F238E27FC236}">
-                <a16:creationId xmlns:a16="http://schemas.microsoft.com/office/drawing/2014/main" xmlns="" id="{A4AAE539-1BB6-4D05-AD87-D1EB5D14CE22}"/>
+                <a16:creationId xmlns="" xmlns:a16="http://schemas.microsoft.com/office/drawing/2014/main" id="{A4AAE539-1BB6-4D05-AD87-D1EB5D14CE22}"/>
               </a:ext>
             </a:extLst>
           </p:cNvPr>
@@ -509,7 +509,7 @@
           <p:cNvPr id="8198" name="Rectangle 6">
             <a:extLst>
               <a:ext uri="{FF2B5EF4-FFF2-40B4-BE49-F238E27FC236}">
-                <a16:creationId xmlns:a16="http://schemas.microsoft.com/office/drawing/2014/main" xmlns="" id="{2363914E-96E7-488E-BE24-A0102763DA04}"/>
+                <a16:creationId xmlns="" xmlns:a16="http://schemas.microsoft.com/office/drawing/2014/main" id="{2363914E-96E7-488E-BE24-A0102763DA04}"/>
               </a:ext>
             </a:extLst>
           </p:cNvPr>
@@ -583,7 +583,7 @@
           <p:cNvPr id="8199" name="Rectangle 7">
             <a:extLst>
               <a:ext uri="{FF2B5EF4-FFF2-40B4-BE49-F238E27FC236}">
-                <a16:creationId xmlns:a16="http://schemas.microsoft.com/office/drawing/2014/main" xmlns="" id="{A48CA277-BCEF-48A2-9FAE-7BBEEE4706CF}"/>
+                <a16:creationId xmlns="" xmlns:a16="http://schemas.microsoft.com/office/drawing/2014/main" id="{A48CA277-BCEF-48A2-9FAE-7BBEEE4706CF}"/>
               </a:ext>
             </a:extLst>
           </p:cNvPr>
@@ -812,7 +812,7 @@
           <p:cNvPr id="7" name="Rectangle 7">
             <a:extLst>
               <a:ext uri="{FF2B5EF4-FFF2-40B4-BE49-F238E27FC236}">
-                <a16:creationId xmlns:a16="http://schemas.microsoft.com/office/drawing/2014/main" xmlns="" id="{5AF44D5A-71F3-424F-A5C3-C02AB61953E7}"/>
+                <a16:creationId xmlns="" xmlns:a16="http://schemas.microsoft.com/office/drawing/2014/main" id="{5AF44D5A-71F3-424F-A5C3-C02AB61953E7}"/>
               </a:ext>
             </a:extLst>
           </p:cNvPr>
@@ -844,7 +844,7 @@
           <p:cNvPr id="9218" name="Rectangle 2">
             <a:extLst>
               <a:ext uri="{FF2B5EF4-FFF2-40B4-BE49-F238E27FC236}">
-                <a16:creationId xmlns:a16="http://schemas.microsoft.com/office/drawing/2014/main" xmlns="" id="{FCD4688A-DE9B-4C81-B2F7-3F1F6453EEAF}"/>
+                <a16:creationId xmlns="" xmlns:a16="http://schemas.microsoft.com/office/drawing/2014/main" id="{FCD4688A-DE9B-4C81-B2F7-3F1F6453EEAF}"/>
               </a:ext>
             </a:extLst>
           </p:cNvPr>
@@ -864,7 +864,7 @@
           <p:cNvPr id="9219" name="Rectangle 3">
             <a:extLst>
               <a:ext uri="{FF2B5EF4-FFF2-40B4-BE49-F238E27FC236}">
-                <a16:creationId xmlns:a16="http://schemas.microsoft.com/office/drawing/2014/main" xmlns="" id="{07FBCDC8-D47D-42EC-9AF7-5C7DACFE62FD}"/>
+                <a16:creationId xmlns="" xmlns:a16="http://schemas.microsoft.com/office/drawing/2014/main" id="{07FBCDC8-D47D-42EC-9AF7-5C7DACFE62FD}"/>
               </a:ext>
             </a:extLst>
           </p:cNvPr>
@@ -914,7 +914,7 @@
           <p:cNvPr id="5122" name="Rectangle 2">
             <a:extLst>
               <a:ext uri="{FF2B5EF4-FFF2-40B4-BE49-F238E27FC236}">
-                <a16:creationId xmlns:a16="http://schemas.microsoft.com/office/drawing/2014/main" xmlns="" id="{1F882B98-CC93-43FA-804F-8BEEF243CBBB}"/>
+                <a16:creationId xmlns="" xmlns:a16="http://schemas.microsoft.com/office/drawing/2014/main" id="{1F882B98-CC93-43FA-804F-8BEEF243CBBB}"/>
               </a:ext>
             </a:extLst>
           </p:cNvPr>
@@ -952,7 +952,7 @@
           <p:cNvPr id="5123" name="Rectangle 3">
             <a:extLst>
               <a:ext uri="{FF2B5EF4-FFF2-40B4-BE49-F238E27FC236}">
-                <a16:creationId xmlns:a16="http://schemas.microsoft.com/office/drawing/2014/main" xmlns="" id="{24600637-B0EB-4783-A4D8-B14962500051}"/>
+                <a16:creationId xmlns="" xmlns:a16="http://schemas.microsoft.com/office/drawing/2014/main" id="{24600637-B0EB-4783-A4D8-B14962500051}"/>
               </a:ext>
             </a:extLst>
           </p:cNvPr>
@@ -992,7 +992,7 @@
           <p:cNvPr id="5124" name="Rectangle 4">
             <a:extLst>
               <a:ext uri="{FF2B5EF4-FFF2-40B4-BE49-F238E27FC236}">
-                <a16:creationId xmlns:a16="http://schemas.microsoft.com/office/drawing/2014/main" xmlns="" id="{3442292B-291B-4EE4-A920-FED0DFE3D5CE}"/>
+                <a16:creationId xmlns="" xmlns:a16="http://schemas.microsoft.com/office/drawing/2014/main" id="{3442292B-291B-4EE4-A920-FED0DFE3D5CE}"/>
               </a:ext>
             </a:extLst>
           </p:cNvPr>
@@ -1031,7 +1031,7 @@
           <p:cNvPr id="5125" name="Picture 5">
             <a:extLst>
               <a:ext uri="{FF2B5EF4-FFF2-40B4-BE49-F238E27FC236}">
-                <a16:creationId xmlns:a16="http://schemas.microsoft.com/office/drawing/2014/main" xmlns="" id="{648AC4CE-EF4A-48BE-8AA1-D51559D98F56}"/>
+                <a16:creationId xmlns="" xmlns:a16="http://schemas.microsoft.com/office/drawing/2014/main" id="{648AC4CE-EF4A-48BE-8AA1-D51559D98F56}"/>
               </a:ext>
             </a:extLst>
           </p:cNvPr>
@@ -1113,7 +1113,7 @@
           <p:cNvPr id="2" name="Title 1">
             <a:extLst>
               <a:ext uri="{FF2B5EF4-FFF2-40B4-BE49-F238E27FC236}">
-                <a16:creationId xmlns:a16="http://schemas.microsoft.com/office/drawing/2014/main" xmlns="" id="{8B844AAB-6764-44CD-A6AB-BB9B5A128B0D}"/>
+                <a16:creationId xmlns="" xmlns:a16="http://schemas.microsoft.com/office/drawing/2014/main" id="{8B844AAB-6764-44CD-A6AB-BB9B5A128B0D}"/>
               </a:ext>
             </a:extLst>
           </p:cNvPr>
@@ -1141,7 +1141,7 @@
           <p:cNvPr id="3" name="Vertical Text Placeholder 2">
             <a:extLst>
               <a:ext uri="{FF2B5EF4-FFF2-40B4-BE49-F238E27FC236}">
-                <a16:creationId xmlns:a16="http://schemas.microsoft.com/office/drawing/2014/main" xmlns="" id="{2665C1CE-8EEC-4005-9A6F-59EAD20EB68B}"/>
+                <a16:creationId xmlns="" xmlns:a16="http://schemas.microsoft.com/office/drawing/2014/main" id="{2665C1CE-8EEC-4005-9A6F-59EAD20EB68B}"/>
               </a:ext>
             </a:extLst>
           </p:cNvPr>
@@ -1198,7 +1198,7 @@
           <p:cNvPr id="4" name="Slide Number Placeholder 3">
             <a:extLst>
               <a:ext uri="{FF2B5EF4-FFF2-40B4-BE49-F238E27FC236}">
-                <a16:creationId xmlns:a16="http://schemas.microsoft.com/office/drawing/2014/main" xmlns="" id="{19250830-2886-45C3-A85A-D548D3FDEA1E}"/>
+                <a16:creationId xmlns="" xmlns:a16="http://schemas.microsoft.com/office/drawing/2014/main" id="{19250830-2886-45C3-A85A-D548D3FDEA1E}"/>
               </a:ext>
             </a:extLst>
           </p:cNvPr>
@@ -1274,7 +1274,7 @@
           <p:cNvPr id="2" name="Vertical Title 1">
             <a:extLst>
               <a:ext uri="{FF2B5EF4-FFF2-40B4-BE49-F238E27FC236}">
-                <a16:creationId xmlns:a16="http://schemas.microsoft.com/office/drawing/2014/main" xmlns="" id="{BD554BF1-6803-4392-AF2C-41F7ECDED954}"/>
+                <a16:creationId xmlns="" xmlns:a16="http://schemas.microsoft.com/office/drawing/2014/main" id="{BD554BF1-6803-4392-AF2C-41F7ECDED954}"/>
               </a:ext>
             </a:extLst>
           </p:cNvPr>
@@ -1307,7 +1307,7 @@
           <p:cNvPr id="3" name="Vertical Text Placeholder 2">
             <a:extLst>
               <a:ext uri="{FF2B5EF4-FFF2-40B4-BE49-F238E27FC236}">
-                <a16:creationId xmlns:a16="http://schemas.microsoft.com/office/drawing/2014/main" xmlns="" id="{485A1443-F1C3-4849-A370-860FBEDECD24}"/>
+                <a16:creationId xmlns="" xmlns:a16="http://schemas.microsoft.com/office/drawing/2014/main" id="{485A1443-F1C3-4849-A370-860FBEDECD24}"/>
               </a:ext>
             </a:extLst>
           </p:cNvPr>
@@ -1369,7 +1369,7 @@
           <p:cNvPr id="4" name="Slide Number Placeholder 3">
             <a:extLst>
               <a:ext uri="{FF2B5EF4-FFF2-40B4-BE49-F238E27FC236}">
-                <a16:creationId xmlns:a16="http://schemas.microsoft.com/office/drawing/2014/main" xmlns="" id="{010520FA-49A3-4DA7-AD25-A59EA023E828}"/>
+                <a16:creationId xmlns="" xmlns:a16="http://schemas.microsoft.com/office/drawing/2014/main" id="{010520FA-49A3-4DA7-AD25-A59EA023E828}"/>
               </a:ext>
             </a:extLst>
           </p:cNvPr>
@@ -1445,7 +1445,7 @@
           <p:cNvPr id="2" name="Title 1">
             <a:extLst>
               <a:ext uri="{FF2B5EF4-FFF2-40B4-BE49-F238E27FC236}">
-                <a16:creationId xmlns:a16="http://schemas.microsoft.com/office/drawing/2014/main" xmlns="" id="{1AD71FA1-560F-4264-974A-40291B646AA9}"/>
+                <a16:creationId xmlns="" xmlns:a16="http://schemas.microsoft.com/office/drawing/2014/main" id="{1AD71FA1-560F-4264-974A-40291B646AA9}"/>
               </a:ext>
             </a:extLst>
           </p:cNvPr>
@@ -1473,7 +1473,7 @@
           <p:cNvPr id="3" name="Content Placeholder 2">
             <a:extLst>
               <a:ext uri="{FF2B5EF4-FFF2-40B4-BE49-F238E27FC236}">
-                <a16:creationId xmlns:a16="http://schemas.microsoft.com/office/drawing/2014/main" xmlns="" id="{F3B922AB-D5D6-4F5F-9467-056ED4B9B755}"/>
+                <a16:creationId xmlns="" xmlns:a16="http://schemas.microsoft.com/office/drawing/2014/main" id="{F3B922AB-D5D6-4F5F-9467-056ED4B9B755}"/>
               </a:ext>
             </a:extLst>
           </p:cNvPr>
@@ -1530,7 +1530,7 @@
           <p:cNvPr id="4" name="Slide Number Placeholder 3">
             <a:extLst>
               <a:ext uri="{FF2B5EF4-FFF2-40B4-BE49-F238E27FC236}">
-                <a16:creationId xmlns:a16="http://schemas.microsoft.com/office/drawing/2014/main" xmlns="" id="{8602FB34-9453-451C-9333-48B4C1A70E2C}"/>
+                <a16:creationId xmlns="" xmlns:a16="http://schemas.microsoft.com/office/drawing/2014/main" id="{8602FB34-9453-451C-9333-48B4C1A70E2C}"/>
               </a:ext>
             </a:extLst>
           </p:cNvPr>
@@ -1606,7 +1606,7 @@
           <p:cNvPr id="2" name="Title 1">
             <a:extLst>
               <a:ext uri="{FF2B5EF4-FFF2-40B4-BE49-F238E27FC236}">
-                <a16:creationId xmlns:a16="http://schemas.microsoft.com/office/drawing/2014/main" xmlns="" id="{504513C7-6C93-4200-9DBD-B4CFA5F5C82D}"/>
+                <a16:creationId xmlns="" xmlns:a16="http://schemas.microsoft.com/office/drawing/2014/main" id="{504513C7-6C93-4200-9DBD-B4CFA5F5C82D}"/>
               </a:ext>
             </a:extLst>
           </p:cNvPr>
@@ -1643,7 +1643,7 @@
           <p:cNvPr id="3" name="Text Placeholder 2">
             <a:extLst>
               <a:ext uri="{FF2B5EF4-FFF2-40B4-BE49-F238E27FC236}">
-                <a16:creationId xmlns:a16="http://schemas.microsoft.com/office/drawing/2014/main" xmlns="" id="{6E7FFA5B-3A03-4535-BE5C-B933B9432ABC}"/>
+                <a16:creationId xmlns="" xmlns:a16="http://schemas.microsoft.com/office/drawing/2014/main" id="{6E7FFA5B-3A03-4535-BE5C-B933B9432ABC}"/>
               </a:ext>
             </a:extLst>
           </p:cNvPr>
@@ -1714,7 +1714,7 @@
           <p:cNvPr id="4" name="Slide Number Placeholder 3">
             <a:extLst>
               <a:ext uri="{FF2B5EF4-FFF2-40B4-BE49-F238E27FC236}">
-                <a16:creationId xmlns:a16="http://schemas.microsoft.com/office/drawing/2014/main" xmlns="" id="{E8446344-B0B9-451C-9B73-9717F6A9F6D8}"/>
+                <a16:creationId xmlns="" xmlns:a16="http://schemas.microsoft.com/office/drawing/2014/main" id="{E8446344-B0B9-451C-9B73-9717F6A9F6D8}"/>
               </a:ext>
             </a:extLst>
           </p:cNvPr>
@@ -1790,7 +1790,7 @@
           <p:cNvPr id="2" name="Title 1">
             <a:extLst>
               <a:ext uri="{FF2B5EF4-FFF2-40B4-BE49-F238E27FC236}">
-                <a16:creationId xmlns:a16="http://schemas.microsoft.com/office/drawing/2014/main" xmlns="" id="{9D83ACCB-4214-41E0-97C5-260FC11D5B36}"/>
+                <a16:creationId xmlns="" xmlns:a16="http://schemas.microsoft.com/office/drawing/2014/main" id="{9D83ACCB-4214-41E0-97C5-260FC11D5B36}"/>
               </a:ext>
             </a:extLst>
           </p:cNvPr>
@@ -1818,7 +1818,7 @@
           <p:cNvPr id="3" name="Content Placeholder 2">
             <a:extLst>
               <a:ext uri="{FF2B5EF4-FFF2-40B4-BE49-F238E27FC236}">
-                <a16:creationId xmlns:a16="http://schemas.microsoft.com/office/drawing/2014/main" xmlns="" id="{F1C5392F-9D40-4F0E-9580-E9964B0FC182}"/>
+                <a16:creationId xmlns="" xmlns:a16="http://schemas.microsoft.com/office/drawing/2014/main" id="{F1C5392F-9D40-4F0E-9580-E9964B0FC182}"/>
               </a:ext>
             </a:extLst>
           </p:cNvPr>
@@ -1880,7 +1880,7 @@
           <p:cNvPr id="4" name="Content Placeholder 3">
             <a:extLst>
               <a:ext uri="{FF2B5EF4-FFF2-40B4-BE49-F238E27FC236}">
-                <a16:creationId xmlns:a16="http://schemas.microsoft.com/office/drawing/2014/main" xmlns="" id="{D7BB89F1-B704-406A-A129-A00651EEB7FC}"/>
+                <a16:creationId xmlns="" xmlns:a16="http://schemas.microsoft.com/office/drawing/2014/main" id="{D7BB89F1-B704-406A-A129-A00651EEB7FC}"/>
               </a:ext>
             </a:extLst>
           </p:cNvPr>
@@ -1942,7 +1942,7 @@
           <p:cNvPr id="5" name="Slide Number Placeholder 4">
             <a:extLst>
               <a:ext uri="{FF2B5EF4-FFF2-40B4-BE49-F238E27FC236}">
-                <a16:creationId xmlns:a16="http://schemas.microsoft.com/office/drawing/2014/main" xmlns="" id="{6641787E-2D1F-41ED-8B36-8F629966D94E}"/>
+                <a16:creationId xmlns="" xmlns:a16="http://schemas.microsoft.com/office/drawing/2014/main" id="{6641787E-2D1F-41ED-8B36-8F629966D94E}"/>
               </a:ext>
             </a:extLst>
           </p:cNvPr>
@@ -2018,7 +2018,7 @@
           <p:cNvPr id="2" name="Title 1">
             <a:extLst>
               <a:ext uri="{FF2B5EF4-FFF2-40B4-BE49-F238E27FC236}">
-                <a16:creationId xmlns:a16="http://schemas.microsoft.com/office/drawing/2014/main" xmlns="" id="{A99148CE-6319-4C97-BCD2-7AE53AFC1920}"/>
+                <a16:creationId xmlns="" xmlns:a16="http://schemas.microsoft.com/office/drawing/2014/main" id="{A99148CE-6319-4C97-BCD2-7AE53AFC1920}"/>
               </a:ext>
             </a:extLst>
           </p:cNvPr>
@@ -2051,7 +2051,7 @@
           <p:cNvPr id="3" name="Text Placeholder 2">
             <a:extLst>
               <a:ext uri="{FF2B5EF4-FFF2-40B4-BE49-F238E27FC236}">
-                <a16:creationId xmlns:a16="http://schemas.microsoft.com/office/drawing/2014/main" xmlns="" id="{BCCF6F10-49CC-4DAA-AA90-ADEAA2CBCFEC}"/>
+                <a16:creationId xmlns="" xmlns:a16="http://schemas.microsoft.com/office/drawing/2014/main" id="{BCCF6F10-49CC-4DAA-AA90-ADEAA2CBCFEC}"/>
               </a:ext>
             </a:extLst>
           </p:cNvPr>
@@ -2122,7 +2122,7 @@
           <p:cNvPr id="4" name="Content Placeholder 3">
             <a:extLst>
               <a:ext uri="{FF2B5EF4-FFF2-40B4-BE49-F238E27FC236}">
-                <a16:creationId xmlns:a16="http://schemas.microsoft.com/office/drawing/2014/main" xmlns="" id="{56021D7F-3628-4CBA-B656-835FD966296A}"/>
+                <a16:creationId xmlns="" xmlns:a16="http://schemas.microsoft.com/office/drawing/2014/main" id="{56021D7F-3628-4CBA-B656-835FD966296A}"/>
               </a:ext>
             </a:extLst>
           </p:cNvPr>
@@ -2184,7 +2184,7 @@
           <p:cNvPr id="5" name="Text Placeholder 4">
             <a:extLst>
               <a:ext uri="{FF2B5EF4-FFF2-40B4-BE49-F238E27FC236}">
-                <a16:creationId xmlns:a16="http://schemas.microsoft.com/office/drawing/2014/main" xmlns="" id="{59A50961-8DD4-4F0A-9764-08F7762C6DFB}"/>
+                <a16:creationId xmlns="" xmlns:a16="http://schemas.microsoft.com/office/drawing/2014/main" id="{59A50961-8DD4-4F0A-9764-08F7762C6DFB}"/>
               </a:ext>
             </a:extLst>
           </p:cNvPr>
@@ -2255,7 +2255,7 @@
           <p:cNvPr id="6" name="Content Placeholder 5">
             <a:extLst>
               <a:ext uri="{FF2B5EF4-FFF2-40B4-BE49-F238E27FC236}">
-                <a16:creationId xmlns:a16="http://schemas.microsoft.com/office/drawing/2014/main" xmlns="" id="{E9733B92-996A-4BDB-A4EC-C27C7ECD5A04}"/>
+                <a16:creationId xmlns="" xmlns:a16="http://schemas.microsoft.com/office/drawing/2014/main" id="{E9733B92-996A-4BDB-A4EC-C27C7ECD5A04}"/>
               </a:ext>
             </a:extLst>
           </p:cNvPr>
@@ -2317,7 +2317,7 @@
           <p:cNvPr id="7" name="Slide Number Placeholder 6">
             <a:extLst>
               <a:ext uri="{FF2B5EF4-FFF2-40B4-BE49-F238E27FC236}">
-                <a16:creationId xmlns:a16="http://schemas.microsoft.com/office/drawing/2014/main" xmlns="" id="{7679668E-470B-4A28-B2BE-BFCBD6341853}"/>
+                <a16:creationId xmlns="" xmlns:a16="http://schemas.microsoft.com/office/drawing/2014/main" id="{7679668E-470B-4A28-B2BE-BFCBD6341853}"/>
               </a:ext>
             </a:extLst>
           </p:cNvPr>
@@ -2393,7 +2393,7 @@
           <p:cNvPr id="2" name="Title 1">
             <a:extLst>
               <a:ext uri="{FF2B5EF4-FFF2-40B4-BE49-F238E27FC236}">
-                <a16:creationId xmlns:a16="http://schemas.microsoft.com/office/drawing/2014/main" xmlns="" id="{371BA357-8C55-4B49-A397-946516B9C8CD}"/>
+                <a16:creationId xmlns="" xmlns:a16="http://schemas.microsoft.com/office/drawing/2014/main" id="{371BA357-8C55-4B49-A397-946516B9C8CD}"/>
               </a:ext>
             </a:extLst>
           </p:cNvPr>
@@ -2421,7 +2421,7 @@
           <p:cNvPr id="3" name="Slide Number Placeholder 2">
             <a:extLst>
               <a:ext uri="{FF2B5EF4-FFF2-40B4-BE49-F238E27FC236}">
-                <a16:creationId xmlns:a16="http://schemas.microsoft.com/office/drawing/2014/main" xmlns="" id="{AD60ACAD-8AA0-475B-8C2D-2DB0078957F1}"/>
+                <a16:creationId xmlns="" xmlns:a16="http://schemas.microsoft.com/office/drawing/2014/main" id="{AD60ACAD-8AA0-475B-8C2D-2DB0078957F1}"/>
               </a:ext>
             </a:extLst>
           </p:cNvPr>
@@ -2497,7 +2497,7 @@
           <p:cNvPr id="2" name="Slide Number Placeholder 1">
             <a:extLst>
               <a:ext uri="{FF2B5EF4-FFF2-40B4-BE49-F238E27FC236}">
-                <a16:creationId xmlns:a16="http://schemas.microsoft.com/office/drawing/2014/main" xmlns="" id="{0A110B47-518A-4B94-A10D-AE498A5B41DE}"/>
+                <a16:creationId xmlns="" xmlns:a16="http://schemas.microsoft.com/office/drawing/2014/main" id="{0A110B47-518A-4B94-A10D-AE498A5B41DE}"/>
               </a:ext>
             </a:extLst>
           </p:cNvPr>
@@ -2573,7 +2573,7 @@
           <p:cNvPr id="2" name="Title 1">
             <a:extLst>
               <a:ext uri="{FF2B5EF4-FFF2-40B4-BE49-F238E27FC236}">
-                <a16:creationId xmlns:a16="http://schemas.microsoft.com/office/drawing/2014/main" xmlns="" id="{8CC9E6DE-0EA0-436D-8AA6-A90C4A3F98D1}"/>
+                <a16:creationId xmlns="" xmlns:a16="http://schemas.microsoft.com/office/drawing/2014/main" id="{8CC9E6DE-0EA0-436D-8AA6-A90C4A3F98D1}"/>
               </a:ext>
             </a:extLst>
           </p:cNvPr>
@@ -2610,7 +2610,7 @@
           <p:cNvPr id="3" name="Content Placeholder 2">
             <a:extLst>
               <a:ext uri="{FF2B5EF4-FFF2-40B4-BE49-F238E27FC236}">
-                <a16:creationId xmlns:a16="http://schemas.microsoft.com/office/drawing/2014/main" xmlns="" id="{886B16D9-1715-4D03-832F-FB122F0DBCB9}"/>
+                <a16:creationId xmlns="" xmlns:a16="http://schemas.microsoft.com/office/drawing/2014/main" id="{886B16D9-1715-4D03-832F-FB122F0DBCB9}"/>
               </a:ext>
             </a:extLst>
           </p:cNvPr>
@@ -2700,7 +2700,7 @@
           <p:cNvPr id="4" name="Text Placeholder 3">
             <a:extLst>
               <a:ext uri="{FF2B5EF4-FFF2-40B4-BE49-F238E27FC236}">
-                <a16:creationId xmlns:a16="http://schemas.microsoft.com/office/drawing/2014/main" xmlns="" id="{69C25973-EFAE-4583-B2D4-A6C1FA5DFACF}"/>
+                <a16:creationId xmlns="" xmlns:a16="http://schemas.microsoft.com/office/drawing/2014/main" id="{69C25973-EFAE-4583-B2D4-A6C1FA5DFACF}"/>
               </a:ext>
             </a:extLst>
           </p:cNvPr>
@@ -2771,7 +2771,7 @@
           <p:cNvPr id="5" name="Slide Number Placeholder 4">
             <a:extLst>
               <a:ext uri="{FF2B5EF4-FFF2-40B4-BE49-F238E27FC236}">
-                <a16:creationId xmlns:a16="http://schemas.microsoft.com/office/drawing/2014/main" xmlns="" id="{E53862AB-13F2-4C37-B0EA-8450AD187937}"/>
+                <a16:creationId xmlns="" xmlns:a16="http://schemas.microsoft.com/office/drawing/2014/main" id="{E53862AB-13F2-4C37-B0EA-8450AD187937}"/>
               </a:ext>
             </a:extLst>
           </p:cNvPr>
@@ -2847,7 +2847,7 @@
           <p:cNvPr id="2" name="Title 1">
             <a:extLst>
               <a:ext uri="{FF2B5EF4-FFF2-40B4-BE49-F238E27FC236}">
-                <a16:creationId xmlns:a16="http://schemas.microsoft.com/office/drawing/2014/main" xmlns="" id="{12180EBB-F34B-47F3-86AE-2EB4D81145CC}"/>
+                <a16:creationId xmlns="" xmlns:a16="http://schemas.microsoft.com/office/drawing/2014/main" id="{12180EBB-F34B-47F3-86AE-2EB4D81145CC}"/>
               </a:ext>
             </a:extLst>
           </p:cNvPr>
@@ -2884,7 +2884,7 @@
           <p:cNvPr id="3" name="Picture Placeholder 2">
             <a:extLst>
               <a:ext uri="{FF2B5EF4-FFF2-40B4-BE49-F238E27FC236}">
-                <a16:creationId xmlns:a16="http://schemas.microsoft.com/office/drawing/2014/main" xmlns="" id="{520C4266-D345-4D97-AE91-1E6005F5ED3D}"/>
+                <a16:creationId xmlns="" xmlns:a16="http://schemas.microsoft.com/office/drawing/2014/main" id="{520C4266-D345-4D97-AE91-1E6005F5ED3D}"/>
               </a:ext>
             </a:extLst>
           </p:cNvPr>
@@ -2954,7 +2954,7 @@
           <p:cNvPr id="4" name="Text Placeholder 3">
             <a:extLst>
               <a:ext uri="{FF2B5EF4-FFF2-40B4-BE49-F238E27FC236}">
-                <a16:creationId xmlns:a16="http://schemas.microsoft.com/office/drawing/2014/main" xmlns="" id="{02474AFD-06B8-4406-9569-C8DFF1E62F7F}"/>
+                <a16:creationId xmlns="" xmlns:a16="http://schemas.microsoft.com/office/drawing/2014/main" id="{02474AFD-06B8-4406-9569-C8DFF1E62F7F}"/>
               </a:ext>
             </a:extLst>
           </p:cNvPr>
@@ -3025,7 +3025,7 @@
           <p:cNvPr id="5" name="Slide Number Placeholder 4">
             <a:extLst>
               <a:ext uri="{FF2B5EF4-FFF2-40B4-BE49-F238E27FC236}">
-                <a16:creationId xmlns:a16="http://schemas.microsoft.com/office/drawing/2014/main" xmlns="" id="{1EFC6ED8-A4DF-4F8A-9CC9-E4C5F56C70FC}"/>
+                <a16:creationId xmlns="" xmlns:a16="http://schemas.microsoft.com/office/drawing/2014/main" id="{1EFC6ED8-A4DF-4F8A-9CC9-E4C5F56C70FC}"/>
               </a:ext>
             </a:extLst>
           </p:cNvPr>
@@ -3109,7 +3109,7 @@
           <p:cNvPr id="4098" name="Picture 2">
             <a:extLst>
               <a:ext uri="{FF2B5EF4-FFF2-40B4-BE49-F238E27FC236}">
-                <a16:creationId xmlns:a16="http://schemas.microsoft.com/office/drawing/2014/main" xmlns="" id="{6DF05BE8-5740-4E49-A93C-5660CF0559A2}"/>
+                <a16:creationId xmlns="" xmlns:a16="http://schemas.microsoft.com/office/drawing/2014/main" id="{6DF05BE8-5740-4E49-A93C-5660CF0559A2}"/>
               </a:ext>
             </a:extLst>
           </p:cNvPr>
@@ -3154,7 +3154,7 @@
           <p:cNvPr id="4099" name="Rectangle 3">
             <a:extLst>
               <a:ext uri="{FF2B5EF4-FFF2-40B4-BE49-F238E27FC236}">
-                <a16:creationId xmlns:a16="http://schemas.microsoft.com/office/drawing/2014/main" xmlns="" id="{5397E082-AEF7-426F-90BC-65CFA1F089E9}"/>
+                <a16:creationId xmlns="" xmlns:a16="http://schemas.microsoft.com/office/drawing/2014/main" id="{5397E082-AEF7-426F-90BC-65CFA1F089E9}"/>
               </a:ext>
             </a:extLst>
           </p:cNvPr>
@@ -3228,7 +3228,7 @@
           <p:cNvPr id="4100" name="Rectangle 4">
             <a:extLst>
               <a:ext uri="{FF2B5EF4-FFF2-40B4-BE49-F238E27FC236}">
-                <a16:creationId xmlns:a16="http://schemas.microsoft.com/office/drawing/2014/main" xmlns="" id="{E36ADAC8-7698-49FB-A4CB-430ED04CA730}"/>
+                <a16:creationId xmlns="" xmlns:a16="http://schemas.microsoft.com/office/drawing/2014/main" id="{E36ADAC8-7698-49FB-A4CB-430ED04CA730}"/>
               </a:ext>
             </a:extLst>
           </p:cNvPr>
@@ -3330,7 +3330,7 @@
           <p:cNvPr id="4101" name="Rectangle 5">
             <a:extLst>
               <a:ext uri="{FF2B5EF4-FFF2-40B4-BE49-F238E27FC236}">
-                <a16:creationId xmlns:a16="http://schemas.microsoft.com/office/drawing/2014/main" xmlns="" id="{2418DF03-AB02-4822-B30B-7FA5A69BAA2C}"/>
+                <a16:creationId xmlns="" xmlns:a16="http://schemas.microsoft.com/office/drawing/2014/main" id="{2418DF03-AB02-4822-B30B-7FA5A69BAA2C}"/>
               </a:ext>
             </a:extLst>
           </p:cNvPr>
@@ -3848,7 +3848,7 @@
           <p:cNvPr id="2050" name="Rectangle 2">
             <a:extLst>
               <a:ext uri="{FF2B5EF4-FFF2-40B4-BE49-F238E27FC236}">
-                <a16:creationId xmlns:a16="http://schemas.microsoft.com/office/drawing/2014/main" xmlns="" id="{B62F02A2-75D5-43F7-8419-296955170EC0}"/>
+                <a16:creationId xmlns="" xmlns:a16="http://schemas.microsoft.com/office/drawing/2014/main" id="{B62F02A2-75D5-43F7-8419-296955170EC0}"/>
               </a:ext>
             </a:extLst>
           </p:cNvPr>
@@ -3932,7 +3932,7 @@
           <p:cNvPr id="2051" name="Rectangle 3">
             <a:extLst>
               <a:ext uri="{FF2B5EF4-FFF2-40B4-BE49-F238E27FC236}">
-                <a16:creationId xmlns:a16="http://schemas.microsoft.com/office/drawing/2014/main" xmlns="" id="{51371060-B51A-4EF1-B897-589CC764C0D0}"/>
+                <a16:creationId xmlns="" xmlns:a16="http://schemas.microsoft.com/office/drawing/2014/main" id="{51371060-B51A-4EF1-B897-589CC764C0D0}"/>
               </a:ext>
             </a:extLst>
           </p:cNvPr>
@@ -5365,7 +5365,7 @@
           <p:cNvPr id="4" name="Slide Number Placeholder 3">
             <a:extLst>
               <a:ext uri="{FF2B5EF4-FFF2-40B4-BE49-F238E27FC236}">
-                <a16:creationId xmlns:a16="http://schemas.microsoft.com/office/drawing/2014/main" xmlns="" id="{8406430C-7506-4274-A5AC-9FFBDC1320CD}"/>
+                <a16:creationId xmlns="" xmlns:a16="http://schemas.microsoft.com/office/drawing/2014/main" id="{8406430C-7506-4274-A5AC-9FFBDC1320CD}"/>
               </a:ext>
             </a:extLst>
           </p:cNvPr>
@@ -5395,7 +5395,7 @@
           <p:cNvPr id="7170" name="Rectangle 2">
             <a:extLst>
               <a:ext uri="{FF2B5EF4-FFF2-40B4-BE49-F238E27FC236}">
-                <a16:creationId xmlns:a16="http://schemas.microsoft.com/office/drawing/2014/main" xmlns="" id="{A909F021-DA63-459E-B471-AEE16E71B526}"/>
+                <a16:creationId xmlns="" xmlns:a16="http://schemas.microsoft.com/office/drawing/2014/main" id="{A909F021-DA63-459E-B471-AEE16E71B526}"/>
               </a:ext>
             </a:extLst>
           </p:cNvPr>
@@ -7113,7 +7113,7 @@
       </p:sp>
       <p:pic>
         <p:nvPicPr>
-          <p:cNvPr id="4" name="Picture 3"/>
+          <p:cNvPr id="3" name="Picture 2"/>
           <p:cNvPicPr>
             <a:picLocks noChangeAspect="1"/>
           </p:cNvPicPr>
@@ -7133,8 +7133,8 @@
         </p:blipFill>
         <p:spPr>
           <a:xfrm>
-            <a:off x="2180290" y="1447800"/>
-            <a:ext cx="4783420" cy="4567221"/>
+            <a:off x="1941297" y="1447800"/>
+            <a:ext cx="5261407" cy="4667191"/>
           </a:xfrm>
           <a:prstGeom prst="rect">
             <a:avLst/>
@@ -8113,7 +8113,7 @@
   </a:extraClrSchemeLst>
   <a:extLst>
     <a:ext uri="{05A4C25C-085E-4340-85A3-A5531E510DB2}">
-      <thm15:themeFamily xmlns:thm15="http://schemas.microsoft.com/office/thememl/2012/main" xmlns="" name="Office Theme" id="{62F939B6-93AF-4DB8-9C6B-D6C7DFDC589F}" vid="{4A3C46E8-61CC-4603-A589-7422A47A8E4A}"/>
+      <thm15:themeFamily xmlns="" xmlns:thm15="http://schemas.microsoft.com/office/thememl/2012/main" name="Office Theme" id="{62F939B6-93AF-4DB8-9C6B-D6C7DFDC589F}" vid="{4A3C46E8-61CC-4603-A589-7422A47A8E4A}"/>
     </a:ext>
   </a:extLst>
 </a:theme>
@@ -8408,7 +8408,7 @@
   <a:extraClrSchemeLst/>
   <a:extLst>
     <a:ext uri="{05A4C25C-085E-4340-85A3-A5531E510DB2}">
-      <thm15:themeFamily xmlns:thm15="http://schemas.microsoft.com/office/thememl/2012/main" xmlns="" name="Office Theme" id="{62F939B6-93AF-4DB8-9C6B-D6C7DFDC589F}" vid="{4A3C46E8-61CC-4603-A589-7422A47A8E4A}"/>
+      <thm15:themeFamily xmlns="" xmlns:thm15="http://schemas.microsoft.com/office/thememl/2012/main" name="Office Theme" id="{62F939B6-93AF-4DB8-9C6B-D6C7DFDC589F}" vid="{4A3C46E8-61CC-4603-A589-7422A47A8E4A}"/>
     </a:ext>
   </a:extLst>
 </a:theme>
